--- a/StaffSphere.pptx
+++ b/StaffSphere.pptx
@@ -5,7 +5,7 @@
     <p:sldMasterId id="2147484138" r:id="rId1"/>
   </p:sldMasterIdLst>
   <p:notesMasterIdLst>
-    <p:notesMasterId r:id="rId44"/>
+    <p:notesMasterId r:id="rId43"/>
   </p:notesMasterIdLst>
   <p:sldIdLst>
     <p:sldId id="256" r:id="rId2"/>
@@ -48,8 +48,7 @@
     <p:sldId id="288" r:id="rId39"/>
     <p:sldId id="286" r:id="rId40"/>
     <p:sldId id="314" r:id="rId41"/>
-    <p:sldId id="312" r:id="rId42"/>
-    <p:sldId id="292" r:id="rId43"/>
+    <p:sldId id="292" r:id="rId42"/>
   </p:sldIdLst>
   <p:sldSz cx="12192000" cy="6858000"/>
   <p:notesSz cx="6858000" cy="9144000"/>
@@ -238,7 +237,7 @@
           <a:p>
             <a:fld id="{C5330069-E1F3-4A90-BC0B-79884E68880D}" type="datetimeFigureOut">
               <a:rPr lang="en-US" smtClean="0"/>
-              <a:t>10/1/2023</a:t>
+              <a:t>10/6/2023</a:t>
             </a:fld>
             <a:endParaRPr lang="en-US"/>
           </a:p>
@@ -736,7 +735,7 @@
           <a:p>
             <a:fld id="{7E2D3D9F-602B-4EE4-9AE0-32A040B7558E}" type="datetimeFigureOut">
               <a:rPr lang="en-US" smtClean="0"/>
-              <a:t>10/1/2023</a:t>
+              <a:t>10/6/2023</a:t>
             </a:fld>
             <a:endParaRPr lang="en-US"/>
           </a:p>
@@ -934,7 +933,7 @@
           <a:p>
             <a:fld id="{7E2D3D9F-602B-4EE4-9AE0-32A040B7558E}" type="datetimeFigureOut">
               <a:rPr lang="en-US" smtClean="0"/>
-              <a:t>10/1/2023</a:t>
+              <a:t>10/6/2023</a:t>
             </a:fld>
             <a:endParaRPr lang="en-US"/>
           </a:p>
@@ -1142,7 +1141,7 @@
           <a:p>
             <a:fld id="{7E2D3D9F-602B-4EE4-9AE0-32A040B7558E}" type="datetimeFigureOut">
               <a:rPr lang="en-US" smtClean="0"/>
-              <a:t>10/1/2023</a:t>
+              <a:t>10/6/2023</a:t>
             </a:fld>
             <a:endParaRPr lang="en-US"/>
           </a:p>
@@ -1405,7 +1404,7 @@
           <a:p>
             <a:fld id="{7E2D3D9F-602B-4EE4-9AE0-32A040B7558E}" type="datetimeFigureOut">
               <a:rPr lang="en-US" smtClean="0"/>
-              <a:t>10/1/2023</a:t>
+              <a:t>10/6/2023</a:t>
             </a:fld>
             <a:endParaRPr lang="en-US"/>
           </a:p>
@@ -1591,7 +1590,7 @@
           <a:p>
             <a:fld id="{7E2D3D9F-602B-4EE4-9AE0-32A040B7558E}" type="datetimeFigureOut">
               <a:rPr lang="en-US" smtClean="0"/>
-              <a:t>10/1/2023</a:t>
+              <a:t>10/6/2023</a:t>
             </a:fld>
             <a:endParaRPr lang="en-US"/>
           </a:p>
@@ -1866,7 +1865,7 @@
           <a:p>
             <a:fld id="{7E2D3D9F-602B-4EE4-9AE0-32A040B7558E}" type="datetimeFigureOut">
               <a:rPr lang="en-US" smtClean="0"/>
-              <a:t>10/1/2023</a:t>
+              <a:t>10/6/2023</a:t>
             </a:fld>
             <a:endParaRPr lang="en-US"/>
           </a:p>
@@ -2131,7 +2130,7 @@
           <a:p>
             <a:fld id="{7E2D3D9F-602B-4EE4-9AE0-32A040B7558E}" type="datetimeFigureOut">
               <a:rPr lang="en-US" smtClean="0"/>
-              <a:t>10/1/2023</a:t>
+              <a:t>10/6/2023</a:t>
             </a:fld>
             <a:endParaRPr lang="en-US"/>
           </a:p>
@@ -2543,7 +2542,7 @@
           <a:p>
             <a:fld id="{7E2D3D9F-602B-4EE4-9AE0-32A040B7558E}" type="datetimeFigureOut">
               <a:rPr lang="en-US" smtClean="0"/>
-              <a:t>10/1/2023</a:t>
+              <a:t>10/6/2023</a:t>
             </a:fld>
             <a:endParaRPr lang="en-US"/>
           </a:p>
@@ -2684,7 +2683,7 @@
           <a:p>
             <a:fld id="{7E2D3D9F-602B-4EE4-9AE0-32A040B7558E}" type="datetimeFigureOut">
               <a:rPr lang="en-US" smtClean="0"/>
-              <a:t>10/1/2023</a:t>
+              <a:t>10/6/2023</a:t>
             </a:fld>
             <a:endParaRPr lang="en-US"/>
           </a:p>
@@ -2797,7 +2796,7 @@
           <a:p>
             <a:fld id="{7E2D3D9F-602B-4EE4-9AE0-32A040B7558E}" type="datetimeFigureOut">
               <a:rPr lang="en-US" smtClean="0"/>
-              <a:t>10/1/2023</a:t>
+              <a:t>10/6/2023</a:t>
             </a:fld>
             <a:endParaRPr lang="en-US"/>
           </a:p>
@@ -3108,7 +3107,7 @@
           <a:p>
             <a:fld id="{7E2D3D9F-602B-4EE4-9AE0-32A040B7558E}" type="datetimeFigureOut">
               <a:rPr lang="en-US" smtClean="0"/>
-              <a:t>10/1/2023</a:t>
+              <a:t>10/6/2023</a:t>
             </a:fld>
             <a:endParaRPr lang="en-US"/>
           </a:p>
@@ -3396,7 +3395,7 @@
           <a:p>
             <a:fld id="{7E2D3D9F-602B-4EE4-9AE0-32A040B7558E}" type="datetimeFigureOut">
               <a:rPr lang="en-US" smtClean="0"/>
-              <a:t>10/1/2023</a:t>
+              <a:t>10/6/2023</a:t>
             </a:fld>
             <a:endParaRPr lang="en-US"/>
           </a:p>
@@ -3637,7 +3636,7 @@
           <a:p>
             <a:fld id="{7E2D3D9F-602B-4EE4-9AE0-32A040B7558E}" type="datetimeFigureOut">
               <a:rPr lang="en-US" smtClean="0"/>
-              <a:t>10/1/2023</a:t>
+              <a:t>10/6/2023</a:t>
             </a:fld>
             <a:endParaRPr lang="en-US"/>
           </a:p>
@@ -4509,8 +4508,8 @@
         </p:nvSpPr>
         <p:spPr>
           <a:xfrm>
-            <a:off x="95250" y="121024"/>
-            <a:ext cx="12115800" cy="969682"/>
+            <a:off x="562504" y="349345"/>
+            <a:ext cx="11330228" cy="1172116"/>
           </a:xfrm>
         </p:spPr>
         <p:txBody>
@@ -4520,19 +4519,19 @@
           <a:lstStyle/>
           <a:p>
             <a:r>
-              <a:rPr lang="en-US" sz="2800" b="1" u="sng" dirty="0">
-                <a:latin typeface="+mn-lt"/>
+              <a:rPr lang="en-US" sz="3100" b="1" dirty="0">
+                <a:latin typeface="Calibri (Body)"/>
                 <a:cs typeface="Segoe UI" panose="020B0502040204020203" pitchFamily="34" charset="0"/>
               </a:rPr>
               <a:t>Personal Profile</a:t>
             </a:r>
             <a:r>
-              <a:rPr lang="en-US" sz="1100" b="1" i="0" u="sng" dirty="0">
+              <a:rPr lang="en-US" sz="3100" b="1" i="0" dirty="0">
                 <a:solidFill>
                   <a:srgbClr val="374151"/>
                 </a:solidFill>
                 <a:effectLst/>
-                <a:latin typeface="Söhne"/>
+                <a:latin typeface="Calibri (Body)"/>
               </a:rPr>
               <a:t> </a:t>
             </a:r>
@@ -4555,7 +4554,7 @@
               </a:rPr>
             </a:br>
             <a:r>
-              <a:rPr lang="en-US" sz="2000" b="0" i="0" dirty="0">
+              <a:rPr lang="en-US" sz="2200" b="0" i="0" dirty="0">
                 <a:solidFill>
                   <a:srgbClr val="374151"/>
                 </a:solidFill>
@@ -4564,7 +4563,7 @@
               </a:rPr>
               <a:t>After logging into the application, all users will be able to access and view their own profiles directly from the header.</a:t>
             </a:r>
-            <a:endParaRPr lang="en-US" sz="2000" b="1" dirty="0">
+            <a:endParaRPr lang="en-US" sz="2200" b="1" dirty="0">
               <a:latin typeface="+mn-lt"/>
               <a:cs typeface="Segoe UI" panose="020B0502040204020203" pitchFamily="34" charset="0"/>
             </a:endParaRPr>
@@ -4593,8 +4592,8 @@
         </p:blipFill>
         <p:spPr>
           <a:xfrm>
-            <a:off x="677334" y="1270000"/>
-            <a:ext cx="2896790" cy="2459318"/>
+            <a:off x="562504" y="1643973"/>
+            <a:ext cx="2896790" cy="2085344"/>
           </a:xfrm>
           <a:prstGeom prst="rect">
             <a:avLst/>
@@ -4628,8 +4627,8 @@
         </p:blipFill>
         <p:spPr>
           <a:xfrm>
-            <a:off x="3888517" y="1177552"/>
-            <a:ext cx="8119045" cy="5508997"/>
+            <a:off x="3888517" y="1643973"/>
+            <a:ext cx="8119045" cy="5042575"/>
           </a:xfrm>
           <a:prstGeom prst="rect">
             <a:avLst/>
@@ -4655,7 +4654,7 @@
         </p:nvSpPr>
         <p:spPr>
           <a:xfrm>
-            <a:off x="2133600" y="1547906"/>
+            <a:off x="2109825" y="1772477"/>
             <a:ext cx="1344706" cy="573741"/>
           </a:xfrm>
           <a:prstGeom prst="rect">
@@ -4707,7 +4706,7 @@
         </p:nvSpPr>
         <p:spPr>
           <a:xfrm>
-            <a:off x="1201271" y="2770094"/>
+            <a:off x="1096499" y="2801127"/>
             <a:ext cx="1828800" cy="502024"/>
           </a:xfrm>
           <a:prstGeom prst="rect">
@@ -4761,8 +4760,8 @@
         </p:nvCxnSpPr>
         <p:spPr>
           <a:xfrm>
-            <a:off x="3030071" y="2949388"/>
-            <a:ext cx="848921" cy="0"/>
+            <a:off x="2925299" y="3052139"/>
+            <a:ext cx="963218" cy="0"/>
           </a:xfrm>
           <a:prstGeom prst="straightConnector1">
             <a:avLst/>
@@ -4834,8 +4833,8 @@
         </p:nvSpPr>
         <p:spPr>
           <a:xfrm>
-            <a:off x="486834" y="164353"/>
-            <a:ext cx="10837332" cy="1026816"/>
+            <a:off x="486834" y="222536"/>
+            <a:ext cx="10837332" cy="613860"/>
           </a:xfrm>
         </p:spPr>
         <p:txBody>
@@ -4845,11 +4844,11 @@
           <a:lstStyle/>
           <a:p>
             <a:r>
-              <a:rPr lang="en-US" sz="2800" b="1" u="sng" dirty="0">
+              <a:rPr lang="en-US" sz="2800" b="1" dirty="0">
                 <a:latin typeface="+mn-lt"/>
                 <a:cs typeface="Segoe UI" panose="020B0502040204020203" pitchFamily="34" charset="0"/>
               </a:rPr>
-              <a:t>Personal profile</a:t>
+              <a:t>Personal Profile</a:t>
             </a:r>
           </a:p>
         </p:txBody>
@@ -4878,7 +4877,7 @@
         </p:blipFill>
         <p:spPr>
           <a:xfrm>
-            <a:off x="99446" y="2325319"/>
+            <a:off x="630160" y="2194212"/>
             <a:ext cx="4690253" cy="4368328"/>
           </a:xfrm>
           <a:ln>
@@ -4902,7 +4901,7 @@
         </p:nvSpPr>
         <p:spPr>
           <a:xfrm>
-            <a:off x="677334" y="1422404"/>
+            <a:off x="486834" y="1000744"/>
             <a:ext cx="10837332" cy="707886"/>
           </a:xfrm>
           <a:prstGeom prst="rect">
@@ -5097,12 +5096,17 @@
         </p:blipFill>
         <p:spPr>
           <a:xfrm>
-            <a:off x="5179359" y="2643997"/>
-            <a:ext cx="6913195" cy="3284505"/>
+            <a:off x="5578199" y="2643997"/>
+            <a:ext cx="6545165" cy="3284505"/>
           </a:xfrm>
           <a:prstGeom prst="rect">
             <a:avLst/>
           </a:prstGeom>
+          <a:ln>
+            <a:solidFill>
+              <a:srgbClr val="C00000"/>
+            </a:solidFill>
+          </a:ln>
         </p:spPr>
       </p:pic>
       <p:sp>
@@ -5119,7 +5123,7 @@
         </p:nvSpPr>
         <p:spPr>
           <a:xfrm>
-            <a:off x="1552575" y="2643997"/>
+            <a:off x="2173274" y="2651588"/>
             <a:ext cx="674999" cy="294579"/>
           </a:xfrm>
           <a:prstGeom prst="rect">
@@ -5166,13 +5170,15 @@
               </a:ext>
             </a:extLst>
           </p:cNvPr>
-          <p:cNvCxnSpPr/>
+          <p:cNvCxnSpPr>
+            <a:cxnSpLocks/>
+          </p:cNvCxnSpPr>
           <p:nvPr/>
         </p:nvCxnSpPr>
         <p:spPr>
           <a:xfrm>
-            <a:off x="2227574" y="2799129"/>
-            <a:ext cx="2951785" cy="12700"/>
+            <a:off x="2898940" y="2753253"/>
+            <a:ext cx="2679259" cy="618989"/>
           </a:xfrm>
           <a:prstGeom prst="bentConnector3">
             <a:avLst/>
@@ -5244,7 +5250,7 @@
         </p:nvSpPr>
         <p:spPr>
           <a:xfrm>
-            <a:off x="286809" y="358357"/>
+            <a:off x="607822" y="335602"/>
             <a:ext cx="8596668" cy="726141"/>
           </a:xfrm>
         </p:spPr>
@@ -5255,7 +5261,7 @@
           <a:lstStyle/>
           <a:p>
             <a:r>
-              <a:rPr lang="en-US" sz="2800" b="1" u="sng" dirty="0">
+              <a:rPr lang="en-US" sz="2800" b="1" dirty="0">
                 <a:latin typeface="+mn-lt"/>
                 <a:cs typeface="Segoe UI" panose="020B0502040204020203" pitchFamily="34" charset="0"/>
               </a:rPr>
@@ -5513,8 +5519,8 @@
         </p:nvSpPr>
         <p:spPr>
           <a:xfrm>
-            <a:off x="189908" y="169425"/>
-            <a:ext cx="12002091" cy="1724689"/>
+            <a:off x="600769" y="585977"/>
+            <a:ext cx="11376279" cy="944929"/>
           </a:xfrm>
         </p:spPr>
         <p:txBody>
@@ -5524,7 +5530,7 @@
           <a:lstStyle/>
           <a:p>
             <a:r>
-              <a:rPr lang="en-US" sz="3100" b="1" u="sng" dirty="0">
+              <a:rPr lang="en-US" sz="3100" b="1" dirty="0">
                 <a:latin typeface="+mn-lt"/>
                 <a:cs typeface="Segoe UI" panose="020B0502040204020203" pitchFamily="34" charset="0"/>
               </a:rPr>
@@ -5537,7 +5543,10 @@
               </a:rPr>
             </a:br>
             <a:br>
-              <a:rPr lang="en-US" dirty="0"/>
+              <a:rPr lang="en-US" sz="3100" b="1" dirty="0">
+                <a:latin typeface="+mn-lt"/>
+                <a:cs typeface="Segoe UI" panose="020B0502040204020203" pitchFamily="34" charset="0"/>
+              </a:rPr>
             </a:br>
             <a:r>
               <a:rPr lang="en-US" sz="2200" b="0" i="0" dirty="0">
@@ -5579,8 +5588,8 @@
         </p:blipFill>
         <p:spPr>
           <a:xfrm>
-            <a:off x="214952" y="2172229"/>
-            <a:ext cx="9429750" cy="3956094"/>
+            <a:off x="671208" y="2172229"/>
+            <a:ext cx="8973493" cy="3956094"/>
           </a:xfrm>
         </p:spPr>
       </p:pic>
@@ -5948,23 +5957,29 @@
         </p:nvSpPr>
         <p:spPr>
           <a:xfrm>
-            <a:off x="228598" y="95253"/>
-            <a:ext cx="11772901" cy="1604960"/>
+            <a:off x="650808" y="404262"/>
+            <a:ext cx="11417839" cy="1023428"/>
           </a:xfrm>
         </p:spPr>
         <p:txBody>
           <a:bodyPr>
-            <a:normAutofit/>
+            <a:normAutofit fontScale="90000"/>
           </a:bodyPr>
           <a:lstStyle/>
           <a:p>
             <a:r>
-              <a:rPr lang="en-US" sz="2800" b="1" u="sng" dirty="0">
+              <a:rPr lang="en-US" sz="3100" b="1" dirty="0">
                 <a:latin typeface="+mn-lt"/>
                 <a:cs typeface="Segoe UI" panose="020B0502040204020203" pitchFamily="34" charset="0"/>
               </a:rPr>
               <a:t>My Inbox </a:t>
             </a:r>
+            <a:br>
+              <a:rPr lang="en-US" sz="2800" b="1" dirty="0">
+                <a:latin typeface="+mn-lt"/>
+                <a:cs typeface="Segoe UI" panose="020B0502040204020203" pitchFamily="34" charset="0"/>
+              </a:rPr>
+            </a:br>
             <a:br>
               <a:rPr lang="en-US" sz="2800" b="1" u="sng" dirty="0">
                 <a:latin typeface="+mn-lt"/>
@@ -5972,16 +5987,16 @@
               </a:rPr>
             </a:br>
             <a:r>
-              <a:rPr lang="en-US" sz="2800" b="0" i="0" dirty="0">
+              <a:rPr lang="en-US" sz="2200" b="0" i="0" dirty="0">
                 <a:solidFill>
                   <a:srgbClr val="374151"/>
                 </a:solidFill>
                 <a:effectLst/>
                 <a:latin typeface="+mn-lt"/>
               </a:rPr>
-              <a:t>"By clicking this button, users can view their messages and respond to the sender."</a:t>
-            </a:r>
-            <a:endParaRPr lang="en-US" sz="2800" dirty="0">
+              <a:t>By clicking this button, users can view their messages and respond to the sender.</a:t>
+            </a:r>
+            <a:endParaRPr lang="en-US" sz="2200" dirty="0">
               <a:latin typeface="+mn-lt"/>
             </a:endParaRPr>
           </a:p>
@@ -6043,8 +6058,8 @@
         </p:blipFill>
         <p:spPr>
           <a:xfrm>
-            <a:off x="115989" y="2255789"/>
-            <a:ext cx="7418286" cy="3685010"/>
+            <a:off x="719847" y="2255789"/>
+            <a:ext cx="6814428" cy="3685010"/>
           </a:xfrm>
           <a:prstGeom prst="rect">
             <a:avLst/>
@@ -6195,23 +6210,29 @@
         </p:nvSpPr>
         <p:spPr>
           <a:xfrm>
-            <a:off x="237553" y="228600"/>
-            <a:ext cx="11697272" cy="1537355"/>
+            <a:off x="441834" y="989012"/>
+            <a:ext cx="11492991" cy="549613"/>
           </a:xfrm>
         </p:spPr>
         <p:txBody>
           <a:bodyPr>
-            <a:normAutofit/>
+            <a:normAutofit fontScale="90000"/>
           </a:bodyPr>
           <a:lstStyle/>
           <a:p>
             <a:r>
-              <a:rPr lang="en-US" sz="2800" b="1" u="sng" dirty="0">
+              <a:rPr lang="en-US" sz="3100" b="1" dirty="0">
                 <a:latin typeface="+mn-lt"/>
                 <a:cs typeface="Segoe UI" panose="020B0502040204020203" pitchFamily="34" charset="0"/>
               </a:rPr>
               <a:t>My Inbox </a:t>
             </a:r>
+            <a:br>
+              <a:rPr lang="en-US" sz="2800" b="1" dirty="0">
+                <a:latin typeface="+mn-lt"/>
+                <a:cs typeface="Segoe UI" panose="020B0502040204020203" pitchFamily="34" charset="0"/>
+              </a:rPr>
+            </a:br>
             <a:br>
               <a:rPr lang="en-US" sz="2800" b="1" u="sng" dirty="0">
                 <a:latin typeface="+mn-lt"/>
@@ -6219,7 +6240,7 @@
               </a:rPr>
             </a:br>
             <a:r>
-              <a:rPr lang="en-US" sz="2800" dirty="0">
+              <a:rPr lang="en-US" sz="2200" dirty="0">
                 <a:latin typeface="+mn-lt"/>
               </a:rPr>
               <a:t>Clicking on this "Reply" button allows users to send a direct message to the recipient.</a:t>
@@ -6249,7 +6270,7 @@
         </p:blipFill>
         <p:spPr>
           <a:xfrm>
-            <a:off x="237553" y="2362855"/>
+            <a:off x="441834" y="2312127"/>
             <a:ext cx="4401693" cy="3200677"/>
           </a:xfrm>
           <a:prstGeom prst="rect">
@@ -6279,8 +6300,8 @@
         </p:blipFill>
         <p:spPr>
           <a:xfrm>
-            <a:off x="5241481" y="1955945"/>
-            <a:ext cx="7005759" cy="3913043"/>
+            <a:off x="5241482" y="1955945"/>
+            <a:ext cx="6781906" cy="3913043"/>
           </a:xfrm>
           <a:prstGeom prst="rect">
             <a:avLst/>
@@ -6379,8 +6400,8 @@
         </p:nvSpPr>
         <p:spPr>
           <a:xfrm>
-            <a:off x="190499" y="365125"/>
-            <a:ext cx="11896725" cy="1460500"/>
+            <a:off x="521037" y="457876"/>
+            <a:ext cx="11367377" cy="1094024"/>
           </a:xfrm>
         </p:spPr>
         <p:txBody>
@@ -6390,7 +6411,7 @@
           <a:lstStyle/>
           <a:p>
             <a:r>
-              <a:rPr lang="en-US" sz="3100" b="1" u="sng" dirty="0">
+              <a:rPr lang="en-US" sz="3100" b="1" dirty="0">
                 <a:latin typeface="+mn-lt"/>
               </a:rPr>
               <a:t>Employee Directory </a:t>
@@ -6402,7 +6423,7 @@
               <a:rPr lang="en-US" dirty="0"/>
             </a:br>
             <a:r>
-              <a:rPr lang="en-US" sz="3100" b="0" i="0" dirty="0">
+              <a:rPr lang="en-US" sz="2200" b="0" i="0" dirty="0">
                 <a:solidFill>
                   <a:srgbClr val="374151"/>
                 </a:solidFill>
@@ -6411,7 +6432,7 @@
               </a:rPr>
               <a:t>Employee Directory with Filtering and Search for Sending Messages to Any User.</a:t>
             </a:r>
-            <a:endParaRPr lang="en-US" sz="3100" dirty="0">
+            <a:endParaRPr lang="en-US" sz="2200" dirty="0">
               <a:latin typeface="+mn-lt"/>
             </a:endParaRPr>
           </a:p>
@@ -6441,8 +6462,8 @@
         </p:blipFill>
         <p:spPr>
           <a:xfrm>
-            <a:off x="1858411" y="2035175"/>
-            <a:ext cx="8741877" cy="4351338"/>
+            <a:off x="521037" y="2136335"/>
+            <a:ext cx="10817157" cy="4351338"/>
           </a:xfrm>
         </p:spPr>
       </p:pic>
@@ -6460,8 +6481,8 @@
         </p:nvSpPr>
         <p:spPr>
           <a:xfrm>
-            <a:off x="8934450" y="2438400"/>
-            <a:ext cx="1542013" cy="457200"/>
+            <a:off x="9562289" y="2558982"/>
+            <a:ext cx="1775905" cy="457200"/>
           </a:xfrm>
           <a:prstGeom prst="rect">
             <a:avLst/>
@@ -6512,7 +6533,7 @@
         </p:nvSpPr>
         <p:spPr>
           <a:xfrm>
-            <a:off x="1933576" y="2428875"/>
+            <a:off x="853806" y="2558982"/>
             <a:ext cx="1628774" cy="371475"/>
           </a:xfrm>
           <a:prstGeom prst="rect">
@@ -6598,7 +6619,7 @@
         </p:nvSpPr>
         <p:spPr>
           <a:xfrm>
-            <a:off x="359534" y="485734"/>
+            <a:off x="516912" y="709469"/>
             <a:ext cx="11158175" cy="1240371"/>
           </a:xfrm>
         </p:spPr>
@@ -6614,7 +6635,7 @@
               </a:lnSpc>
             </a:pPr>
             <a:r>
-              <a:rPr lang="en-US" sz="3100" b="1" i="0" u="sng" dirty="0">
+              <a:rPr lang="en-US" sz="3100" b="1" i="0" dirty="0">
                 <a:effectLst/>
                 <a:latin typeface="+mn-lt"/>
               </a:rPr>
@@ -6707,8 +6728,8 @@
         </p:blipFill>
         <p:spPr>
           <a:xfrm>
-            <a:off x="3368595" y="2020928"/>
-            <a:ext cx="7966155" cy="4351338"/>
+            <a:off x="661764" y="2254392"/>
+            <a:ext cx="10495862" cy="4351338"/>
           </a:xfrm>
           <a:ln>
             <a:solidFill>
@@ -6765,7 +6786,7 @@
         </p:nvSpPr>
         <p:spPr>
           <a:xfrm>
-            <a:off x="838200" y="365125"/>
+            <a:off x="585484" y="287303"/>
             <a:ext cx="10515600" cy="2254250"/>
           </a:xfrm>
         </p:spPr>
@@ -6776,16 +6797,18 @@
           <a:lstStyle/>
           <a:p>
             <a:r>
-              <a:rPr lang="en-US" sz="3100" b="1" u="sng" dirty="0">
+              <a:rPr lang="en-US" sz="3100" b="1" dirty="0">
                 <a:latin typeface="+mn-lt"/>
               </a:rPr>
               <a:t>My Team Members</a:t>
             </a:r>
+            <a:br>
+              <a:rPr lang="en-US" sz="3100" b="1" dirty="0">
+                <a:latin typeface="+mn-lt"/>
+              </a:rPr>
+            </a:br>
             <a:br>
               <a:rPr lang="en-US" sz="2800" b="1" u="sng" dirty="0"/>
-            </a:br>
-            <a:br>
-              <a:rPr lang="en-US" dirty="0"/>
             </a:br>
             <a:r>
               <a:rPr lang="en-US" sz="2200" dirty="0">
@@ -6824,7 +6847,7 @@
         </p:blipFill>
         <p:spPr>
           <a:xfrm>
-            <a:off x="847725" y="2467264"/>
+            <a:off x="730993" y="2541553"/>
             <a:ext cx="10515600" cy="3542723"/>
           </a:xfrm>
           <a:ln>
@@ -6882,7 +6905,7 @@
         </p:nvSpPr>
         <p:spPr>
           <a:xfrm>
-            <a:off x="173171" y="365125"/>
+            <a:off x="640099" y="384175"/>
             <a:ext cx="11828329" cy="1511300"/>
           </a:xfrm>
         </p:spPr>
@@ -6893,7 +6916,7 @@
           <a:lstStyle/>
           <a:p>
             <a:r>
-              <a:rPr lang="en-US" sz="3100" b="1" i="0" u="sng" dirty="0">
+              <a:rPr lang="en-US" sz="3100" b="1" i="0" dirty="0">
                 <a:solidFill>
                   <a:srgbClr val="374151"/>
                 </a:solidFill>
@@ -6959,8 +6982,8 @@
         </p:blipFill>
         <p:spPr>
           <a:xfrm>
-            <a:off x="4324874" y="2035175"/>
-            <a:ext cx="7870047" cy="4351338"/>
+            <a:off x="4824919" y="2035175"/>
+            <a:ext cx="7370002" cy="4351338"/>
           </a:xfrm>
           <a:ln>
             <a:solidFill>
@@ -6991,7 +7014,7 @@
         </p:blipFill>
         <p:spPr>
           <a:xfrm>
-            <a:off x="173171" y="2235200"/>
+            <a:off x="840667" y="2303294"/>
             <a:ext cx="3734230" cy="3365500"/>
           </a:xfrm>
           <a:prstGeom prst="rect">
@@ -7018,7 +7041,7 @@
         </p:nvSpPr>
         <p:spPr>
           <a:xfrm>
-            <a:off x="276225" y="3209925"/>
+            <a:off x="860827" y="3296444"/>
             <a:ext cx="1419225" cy="1828800"/>
           </a:xfrm>
           <a:prstGeom prst="rect">
@@ -7065,17 +7088,19 @@
               </a:ext>
             </a:extLst>
           </p:cNvPr>
-          <p:cNvCxnSpPr/>
+          <p:cNvCxnSpPr>
+            <a:cxnSpLocks/>
+          </p:cNvCxnSpPr>
           <p:nvPr/>
         </p:nvCxnSpPr>
         <p:spPr>
           <a:xfrm flipV="1">
-            <a:off x="1695450" y="2714625"/>
-            <a:ext cx="2629424" cy="1000125"/>
+            <a:off x="2300212" y="2417323"/>
+            <a:ext cx="2524707" cy="1011677"/>
           </a:xfrm>
           <a:prstGeom prst="bentConnector3">
             <a:avLst>
-              <a:gd name="adj1" fmla="val 12326"/>
+              <a:gd name="adj1" fmla="val 50000"/>
             </a:avLst>
           </a:prstGeom>
           <a:ln>
@@ -7156,7 +7181,7 @@
           <a:lstStyle/>
           <a:p>
             <a:r>
-              <a:rPr lang="en-US" sz="3200" u="sng" dirty="0">
+              <a:rPr lang="en-US" sz="2800" b="1" dirty="0">
                 <a:latin typeface="+mn-lt"/>
               </a:rPr>
               <a:t>Introduction</a:t>
@@ -7283,7 +7308,7 @@
         <p:spPr>
           <a:xfrm>
             <a:off x="743322" y="3828756"/>
-            <a:ext cx="10360058" cy="2092881"/>
+            <a:ext cx="10360058" cy="2154436"/>
           </a:xfrm>
           <a:prstGeom prst="rect">
             <a:avLst/>
@@ -7298,12 +7323,12 @@
           <a:p>
             <a:pPr algn="l"/>
             <a:r>
-              <a:rPr lang="en-US" sz="2400" b="1" u="sng" dirty="0">
+              <a:rPr lang="en-US" sz="2800" b="1" dirty="0">
                 <a:cs typeface="Segoe UI" panose="020B0502040204020203" pitchFamily="34" charset="0"/>
               </a:rPr>
               <a:t>Technology Stack:</a:t>
             </a:r>
-            <a:endParaRPr lang="en-US" sz="2400" b="1" i="0" u="sng" strike="noStrike" dirty="0">
+            <a:endParaRPr lang="en-US" sz="2800" b="1" i="0" strike="noStrike" dirty="0">
               <a:effectLst/>
               <a:cs typeface="Segoe UI" panose="020B0502040204020203" pitchFamily="34" charset="0"/>
             </a:endParaRPr>
@@ -7418,13 +7443,13 @@
         </p:nvSpPr>
         <p:spPr>
           <a:xfrm>
-            <a:off x="173419" y="-257893"/>
-            <a:ext cx="11999727" cy="834478"/>
+            <a:off x="552127" y="247345"/>
+            <a:ext cx="11999727" cy="313510"/>
           </a:xfrm>
         </p:spPr>
         <p:txBody>
           <a:bodyPr>
-            <a:normAutofit/>
+            <a:normAutofit fontScale="90000"/>
           </a:bodyPr>
           <a:lstStyle/>
           <a:p>
@@ -7539,8 +7564,8 @@
         </p:blipFill>
         <p:spPr>
           <a:xfrm>
-            <a:off x="173419" y="478881"/>
-            <a:ext cx="11751058" cy="1747635"/>
+            <a:off x="552127" y="886093"/>
+            <a:ext cx="11372350" cy="1314500"/>
           </a:xfrm>
           <a:prstGeom prst="rect">
             <a:avLst/>
@@ -7604,8 +7629,8 @@
         </p:blipFill>
         <p:spPr>
           <a:xfrm>
-            <a:off x="203723" y="2332927"/>
-            <a:ext cx="7333427" cy="4525073"/>
+            <a:off x="552127" y="2332928"/>
+            <a:ext cx="6985023" cy="4277728"/>
           </a:xfrm>
           <a:prstGeom prst="rect">
             <a:avLst/>
@@ -7704,8 +7729,8 @@
         </p:nvSpPr>
         <p:spPr>
           <a:xfrm>
-            <a:off x="276224" y="157162"/>
-            <a:ext cx="6181725" cy="5919788"/>
+            <a:off x="924128" y="593386"/>
+            <a:ext cx="5533821" cy="5483563"/>
           </a:xfrm>
           <a:solidFill>
             <a:schemeClr val="accent1"/>
@@ -7718,7 +7743,7 @@
           <a:lstStyle/>
           <a:p>
             <a:r>
-              <a:rPr lang="en-US" sz="2800" b="1" u="sng" dirty="0">
+              <a:rPr lang="en-US" sz="2800" b="1" dirty="0">
                 <a:solidFill>
                   <a:schemeClr val="bg1"/>
                 </a:solidFill>
@@ -7814,7 +7839,7 @@
         <p:spPr>
           <a:xfrm flipV="1">
             <a:off x="6457949" y="2724150"/>
-            <a:ext cx="1396159" cy="392906"/>
+            <a:ext cx="1396159" cy="611018"/>
           </a:xfrm>
           <a:prstGeom prst="bentConnector3">
             <a:avLst/>
@@ -7886,7 +7911,7 @@
         </p:nvSpPr>
         <p:spPr>
           <a:xfrm>
-            <a:off x="677334" y="609600"/>
+            <a:off x="657879" y="278860"/>
             <a:ext cx="8596668" cy="1631576"/>
           </a:xfrm>
         </p:spPr>
@@ -7897,7 +7922,7 @@
           <a:lstStyle/>
           <a:p>
             <a:r>
-              <a:rPr lang="en-US" sz="2800" b="1" u="sng" dirty="0">
+              <a:rPr lang="en-US" sz="2800" b="1" dirty="0">
                 <a:latin typeface="+mn-lt"/>
                 <a:cs typeface="Segoe UI" panose="020B0502040204020203" pitchFamily="34" charset="0"/>
               </a:rPr>
@@ -7952,7 +7977,7 @@
         </p:blipFill>
         <p:spPr>
           <a:xfrm>
-            <a:off x="3059167" y="2816281"/>
+            <a:off x="2553329" y="2903830"/>
             <a:ext cx="6073666" cy="2370025"/>
           </a:xfrm>
           <a:ln>
@@ -8021,7 +8046,7 @@
           <a:lstStyle/>
           <a:p>
             <a:r>
-              <a:rPr lang="en-US" sz="2800" b="1" u="sng" dirty="0">
+              <a:rPr lang="en-US" sz="2800" b="1" dirty="0">
                 <a:latin typeface="+mn-lt"/>
               </a:rPr>
               <a:t>Create Employee Profile</a:t>
@@ -8053,7 +8078,7 @@
         </p:blipFill>
         <p:spPr>
           <a:xfrm>
-            <a:off x="3659256" y="1876425"/>
+            <a:off x="3474431" y="2207166"/>
             <a:ext cx="6683238" cy="4351338"/>
           </a:xfrm>
         </p:spPr>
@@ -8143,18 +8168,18 @@
         </p:nvSpPr>
         <p:spPr>
           <a:xfrm>
-            <a:off x="180975" y="165100"/>
-            <a:ext cx="10882893" cy="1325563"/>
+            <a:off x="525293" y="165100"/>
+            <a:ext cx="11459183" cy="1325563"/>
           </a:xfrm>
         </p:spPr>
         <p:txBody>
           <a:bodyPr>
-            <a:normAutofit fontScale="90000"/>
+            <a:normAutofit/>
           </a:bodyPr>
           <a:lstStyle/>
           <a:p>
             <a:r>
-              <a:rPr lang="en-US" sz="2800" b="1" u="sng" dirty="0">
+              <a:rPr lang="en-US" sz="2800" b="1" dirty="0">
                 <a:latin typeface="+mn-lt"/>
               </a:rPr>
               <a:t>View Employees</a:t>
@@ -8203,8 +8228,8 @@
         </p:blipFill>
         <p:spPr>
           <a:xfrm>
-            <a:off x="2734015" y="1649220"/>
-            <a:ext cx="8359155" cy="4351338"/>
+            <a:off x="3385226" y="1649220"/>
+            <a:ext cx="7707944" cy="4351338"/>
           </a:xfrm>
         </p:spPr>
       </p:pic>
@@ -8230,8 +8255,8 @@
         </p:blipFill>
         <p:spPr>
           <a:xfrm>
-            <a:off x="0" y="1677795"/>
-            <a:ext cx="2466975" cy="2969009"/>
+            <a:off x="622570" y="1944495"/>
+            <a:ext cx="2208644" cy="2969009"/>
           </a:xfrm>
           <a:prstGeom prst="rect">
             <a:avLst/>
@@ -8252,7 +8277,7 @@
         </p:nvSpPr>
         <p:spPr>
           <a:xfrm>
-            <a:off x="2786113" y="2324701"/>
+            <a:off x="3355924" y="2419950"/>
             <a:ext cx="1066800" cy="3000375"/>
           </a:xfrm>
           <a:prstGeom prst="rect">
@@ -8307,8 +8332,8 @@
         </p:nvCxnSpPr>
         <p:spPr>
           <a:xfrm rot="10800000" flipV="1">
-            <a:off x="2466975" y="3043232"/>
-            <a:ext cx="326014" cy="119067"/>
+            <a:off x="2831215" y="3282274"/>
+            <a:ext cx="859651" cy="146726"/>
           </a:xfrm>
           <a:prstGeom prst="bentConnector3">
             <a:avLst/>
@@ -8502,7 +8527,12 @@
             <p:ph type="title"/>
           </p:nvPr>
         </p:nvSpPr>
-        <p:spPr/>
+        <p:spPr>
+          <a:xfrm>
+            <a:off x="724508" y="365125"/>
+            <a:ext cx="10515600" cy="1325563"/>
+          </a:xfrm>
+        </p:spPr>
         <p:txBody>
           <a:bodyPr>
             <a:normAutofit fontScale="90000"/>
@@ -8510,7 +8540,7 @@
           <a:lstStyle/>
           <a:p>
             <a:r>
-              <a:rPr lang="en-US" sz="3100" b="1" u="sng" dirty="0">
+              <a:rPr lang="en-US" sz="3100" b="1" dirty="0">
                 <a:latin typeface="+mn-lt"/>
               </a:rPr>
               <a:t>Employee profile </a:t>
@@ -8523,7 +8553,7 @@
             </a:br>
             <a:r>
               <a:rPr lang="en-US" sz="2200" b="1" dirty="0"/>
-              <a:t>"The Employee Profile section encompasses both Personal Information and Additional Employee Details, providing a comprehensive overview of individual staff members."</a:t>
+              <a:t>The Employee Profile section encompasses both Personal Information and Additional Employee Details, providing a comprehensive overview of individual staff members.</a:t>
             </a:r>
             <a:br>
               <a:rPr lang="en-US" sz="2800" b="1" u="sng" dirty="0"/>
@@ -8556,7 +8586,7 @@
         </p:blipFill>
         <p:spPr>
           <a:xfrm>
-            <a:off x="724508" y="1835150"/>
+            <a:off x="724508" y="1690688"/>
             <a:ext cx="10629292" cy="4965700"/>
           </a:xfrm>
           <a:ln>
@@ -8614,8 +8644,8 @@
         </p:nvSpPr>
         <p:spPr>
           <a:xfrm>
-            <a:off x="86026" y="162226"/>
-            <a:ext cx="11905949" cy="1604681"/>
+            <a:off x="564204" y="162226"/>
+            <a:ext cx="11427771" cy="1604681"/>
           </a:xfrm>
         </p:spPr>
         <p:txBody>
@@ -8625,18 +8655,11 @@
           <a:lstStyle/>
           <a:p>
             <a:r>
-              <a:rPr lang="en-US" sz="2800" b="1" u="sng" dirty="0">
+              <a:rPr lang="en-US" sz="3100" b="1" dirty="0">
                 <a:latin typeface="+mn-lt"/>
                 <a:cs typeface="Segoe UI" panose="020B0502040204020203" pitchFamily="34" charset="0"/>
               </a:rPr>
-              <a:t>Employee Profile</a:t>
-            </a:r>
-            <a:r>
-              <a:rPr lang="en-US" sz="2400" b="1" u="sng" dirty="0">
-                <a:latin typeface="+mn-lt"/>
-                <a:cs typeface="Segoe UI" panose="020B0502040204020203" pitchFamily="34" charset="0"/>
-              </a:rPr>
-              <a:t> </a:t>
+              <a:t>Employee Profile </a:t>
             </a:r>
             <a:br>
               <a:rPr lang="en-US" sz="2400" u="sng" dirty="0">
@@ -8655,7 +8678,7 @@
                 <a:latin typeface="+mn-lt"/>
                 <a:cs typeface="Segoe UI" panose="020B0502040204020203" pitchFamily="34" charset="0"/>
               </a:rPr>
-              <a:t>"The Admin has the authority to select a Team Leader for a specific employee and edit various aspects, such as updating the designation, department, and salary. They can also assign a new Team Leader to that employee as needed."</a:t>
+              <a:t>The Admin has the authority to select a Team Leader for a specific employee and edit various aspects, such as updating the designation, department, and salary. They can also assign a new Team Leader to that employee as needed.</a:t>
             </a:r>
             <a:endParaRPr lang="en-US" sz="2200" dirty="0">
               <a:solidFill>
@@ -8691,8 +8714,8 @@
         </p:blipFill>
         <p:spPr>
           <a:xfrm>
-            <a:off x="95551" y="1786777"/>
-            <a:ext cx="7382873" cy="5080748"/>
+            <a:off x="564204" y="1766908"/>
+            <a:ext cx="6914220" cy="4838174"/>
           </a:xfrm>
           <a:ln>
             <a:solidFill>
@@ -8853,7 +8876,7 @@
         </p:nvSpPr>
         <p:spPr>
           <a:xfrm>
-            <a:off x="838200" y="365125"/>
+            <a:off x="672829" y="277576"/>
             <a:ext cx="10515600" cy="1690053"/>
           </a:xfrm>
         </p:spPr>
@@ -8864,7 +8887,7 @@
           <a:lstStyle/>
           <a:p>
             <a:r>
-              <a:rPr lang="en-US" sz="2000" b="1" u="sng" dirty="0">
+              <a:rPr lang="en-US" sz="2800" b="1" dirty="0">
                 <a:latin typeface="+mn-lt"/>
               </a:rPr>
               <a:t>View Team Leader </a:t>
@@ -8887,7 +8910,27 @@
                 <a:effectLst/>
                 <a:latin typeface="+mn-lt"/>
               </a:rPr>
-              <a:t>Additionally, the Admin has the capability to view, edit, and revoke permissions for Team Leaders.</a:t>
+              <a:t>Additionally, </a:t>
+            </a:r>
+            <a:r>
+              <a:rPr lang="en-US" sz="2000" b="0" i="0" dirty="0">
+                <a:solidFill>
+                  <a:srgbClr val="374151"/>
+                </a:solidFill>
+                <a:effectLst/>
+                <a:latin typeface="+mn-lt"/>
+              </a:rPr>
+              <a:t>the</a:t>
+            </a:r>
+            <a:r>
+              <a:rPr lang="en-US" sz="2200" b="0" i="0" dirty="0">
+                <a:solidFill>
+                  <a:srgbClr val="374151"/>
+                </a:solidFill>
+                <a:effectLst/>
+                <a:latin typeface="+mn-lt"/>
+              </a:rPr>
+              <a:t> Admin has the capability to view, edit, and revoke permissions for Team Leaders.</a:t>
             </a:r>
             <a:endParaRPr lang="en-US" sz="2200" dirty="0">
               <a:latin typeface="+mn-lt"/>
@@ -8919,7 +8962,7 @@
         </p:blipFill>
         <p:spPr>
           <a:xfrm>
-            <a:off x="838200" y="2131378"/>
+            <a:off x="672829" y="2520484"/>
             <a:ext cx="10515600" cy="3073081"/>
           </a:xfrm>
           <a:ln>
@@ -8977,18 +9020,18 @@
         </p:nvSpPr>
         <p:spPr>
           <a:xfrm>
-            <a:off x="357312" y="0"/>
-            <a:ext cx="11920413" cy="1334618"/>
+            <a:off x="357312" y="231958"/>
+            <a:ext cx="11228331" cy="1102659"/>
           </a:xfrm>
         </p:spPr>
         <p:txBody>
           <a:bodyPr>
-            <a:normAutofit fontScale="70000" lnSpcReduction="20000"/>
+            <a:noAutofit/>
           </a:bodyPr>
           <a:lstStyle/>
           <a:p>
             <a:r>
-              <a:rPr lang="en-US" sz="3600" b="1" i="0" u="sng" dirty="0">
+              <a:rPr lang="en-US" sz="2800" b="1" i="0" dirty="0">
                 <a:solidFill>
                   <a:srgbClr val="374151"/>
                 </a:solidFill>
@@ -8999,7 +9042,7 @@
           </a:p>
           <a:p>
             <a:r>
-              <a:rPr lang="en-US" sz="3600" b="0" i="0" dirty="0">
+              <a:rPr lang="en-US" sz="2000" b="0" i="0" dirty="0">
                 <a:solidFill>
                   <a:srgbClr val="374151"/>
                 </a:solidFill>
@@ -9007,7 +9050,7 @@
               </a:rPr>
               <a:t>This link directs admin to the  team leader profile page, where admin has the authority to both view and edit particular  information profiles and delete the Team Leader </a:t>
             </a:r>
-            <a:endParaRPr lang="en-US" sz="3600" dirty="0">
+            <a:endParaRPr lang="en-US" sz="2000" dirty="0">
               <a:solidFill>
                 <a:srgbClr val="374151"/>
               </a:solidFill>
@@ -9037,8 +9080,8 @@
         </p:blipFill>
         <p:spPr>
           <a:xfrm>
-            <a:off x="566231" y="1090966"/>
-            <a:ext cx="10877694" cy="2166249"/>
+            <a:off x="566232" y="1458601"/>
+            <a:ext cx="11228330" cy="1817871"/>
           </a:xfrm>
           <a:prstGeom prst="rect">
             <a:avLst/>
@@ -9176,12 +9219,17 @@
         </p:blipFill>
         <p:spPr>
           <a:xfrm>
-            <a:off x="566232" y="3312945"/>
-            <a:ext cx="10877694" cy="4026339"/>
+            <a:off x="566233" y="3471772"/>
+            <a:ext cx="11228329" cy="3308408"/>
           </a:xfrm>
           <a:prstGeom prst="rect">
             <a:avLst/>
           </a:prstGeom>
+          <a:ln>
+            <a:solidFill>
+              <a:srgbClr val="C00000"/>
+            </a:solidFill>
+          </a:ln>
         </p:spPr>
       </p:pic>
       <p:pic>
@@ -9258,7 +9306,7 @@
         </p:nvCxnSpPr>
         <p:spPr>
           <a:xfrm>
-            <a:off x="1297883" y="2856047"/>
+            <a:off x="1327066" y="3108199"/>
             <a:ext cx="0" cy="363572"/>
           </a:xfrm>
           <a:prstGeom prst="straightConnector1">
@@ -9331,8 +9379,8 @@
         </p:nvSpPr>
         <p:spPr>
           <a:xfrm>
-            <a:off x="605616" y="77190"/>
-            <a:ext cx="11191937" cy="992405"/>
+            <a:off x="605616" y="267191"/>
+            <a:ext cx="11191937" cy="802404"/>
           </a:xfrm>
           <a:ln>
             <a:solidFill>
@@ -9753,13 +9801,13 @@
           <a:lstStyle/>
           <a:p>
             <a:r>
-              <a:rPr lang="en-US" sz="2800" b="1" i="0" u="sng" dirty="0">
+              <a:rPr lang="en-US" sz="2800" b="1" i="0" dirty="0">
                 <a:effectLst/>
                 <a:latin typeface="+mn-lt"/>
               </a:rPr>
               <a:t>Backend Data Structure</a:t>
             </a:r>
-            <a:endParaRPr lang="en-US" sz="2800" u="sng" dirty="0">
+            <a:endParaRPr lang="en-US" sz="2800" dirty="0">
               <a:latin typeface="+mn-lt"/>
             </a:endParaRPr>
           </a:p>
@@ -10079,8 +10127,8 @@
         </p:nvSpPr>
         <p:spPr>
           <a:xfrm>
-            <a:off x="133350" y="235255"/>
-            <a:ext cx="11698786" cy="1587500"/>
+            <a:off x="408562" y="501957"/>
+            <a:ext cx="11423574" cy="1320798"/>
           </a:xfrm>
         </p:spPr>
         <p:txBody>
@@ -10090,7 +10138,7 @@
           <a:lstStyle/>
           <a:p>
             <a:r>
-              <a:rPr lang="en-US" sz="3100" b="1" u="sng" dirty="0">
+              <a:rPr lang="en-US" sz="3100" b="1" dirty="0">
                 <a:solidFill>
                   <a:srgbClr val="374151"/>
                 </a:solidFill>
@@ -10152,8 +10200,8 @@
         </p:blipFill>
         <p:spPr>
           <a:xfrm>
-            <a:off x="283664" y="2130425"/>
-            <a:ext cx="6602237" cy="4351338"/>
+            <a:off x="515566" y="2130425"/>
+            <a:ext cx="6370335" cy="4351338"/>
           </a:xfrm>
           <a:ln>
             <a:solidFill>
@@ -10337,7 +10385,7 @@
         <p:spPr>
           <a:xfrm>
             <a:off x="578722" y="136152"/>
-            <a:ext cx="8596668" cy="1320800"/>
+            <a:ext cx="11201474" cy="822071"/>
           </a:xfrm>
         </p:spPr>
         <p:txBody>
@@ -10347,13 +10395,13 @@
           <a:lstStyle/>
           <a:p>
             <a:r>
-              <a:rPr lang="en-US" sz="2800" b="1" i="0" u="sng" dirty="0">
+              <a:rPr lang="en-US" sz="2800" b="1" i="0" dirty="0">
                 <a:effectLst/>
                 <a:latin typeface="+mn-lt"/>
               </a:rPr>
               <a:t>List of the project </a:t>
             </a:r>
-            <a:endParaRPr lang="en-US" sz="2800" b="1" u="sng" dirty="0">
+            <a:endParaRPr lang="en-US" sz="2800" b="1" dirty="0">
               <a:latin typeface="+mn-lt"/>
             </a:endParaRPr>
           </a:p>
@@ -10765,30 +10813,29 @@
         </p:nvSpPr>
         <p:spPr>
           <a:xfrm>
-            <a:off x="226394" y="0"/>
-            <a:ext cx="11739212" cy="1661615"/>
+            <a:off x="523876" y="359923"/>
+            <a:ext cx="11191874" cy="1128409"/>
           </a:xfrm>
         </p:spPr>
         <p:txBody>
           <a:bodyPr>
-            <a:normAutofit/>
+            <a:normAutofit fontScale="90000"/>
           </a:bodyPr>
           <a:lstStyle/>
           <a:p>
             <a:r>
-              <a:rPr lang="en-US" sz="3100" b="1" u="sng" dirty="0">
-                <a:latin typeface="+mn-lt"/>
+              <a:rPr lang="en-US" sz="3100" b="1" dirty="0">
+                <a:latin typeface="Calibri (Body)"/>
                 <a:cs typeface="Segoe UI" panose="020B0502040204020203" pitchFamily="34" charset="0"/>
               </a:rPr>
-              <a:t>Project Summary</a:t>
-            </a:r>
-            <a:r>
-              <a:rPr lang="en-US" b="1" u="sng" dirty="0">
-                <a:latin typeface="Segoe UI" panose="020B0502040204020203" pitchFamily="34" charset="0"/>
+              <a:t>Project Summary </a:t>
+            </a:r>
+            <a:br>
+              <a:rPr lang="en-US" sz="2800" b="1" dirty="0">
+                <a:latin typeface="Calibri (Body)"/>
                 <a:cs typeface="Segoe UI" panose="020B0502040204020203" pitchFamily="34" charset="0"/>
               </a:rPr>
-              <a:t> </a:t>
-            </a:r>
+            </a:br>
             <a:br>
               <a:rPr lang="en-US" b="1" u="sng" dirty="0">
                 <a:latin typeface="Segoe UI" panose="020B0502040204020203" pitchFamily="34" charset="0"/>
@@ -10796,21 +10843,21 @@
               </a:rPr>
             </a:br>
             <a:r>
-              <a:rPr lang="en-US" sz="1800" dirty="0">
+              <a:rPr lang="en-US" sz="2200" dirty="0">
                 <a:latin typeface="Segoe UI" panose="020B0502040204020203" pitchFamily="34" charset="0"/>
                 <a:cs typeface="Segoe UI" panose="020B0502040204020203" pitchFamily="34" charset="0"/>
               </a:rPr>
               <a:t>This page serves as the central hub for our project. </a:t>
             </a:r>
             <a:r>
-              <a:rPr lang="en-US" sz="1800" b="0" i="0" dirty="0">
+              <a:rPr lang="en-US" sz="2200" b="0" i="0" dirty="0">
                 <a:effectLst/>
                 <a:latin typeface="Segoe UI" panose="020B0502040204020203" pitchFamily="34" charset="0"/>
                 <a:cs typeface="Segoe UI" panose="020B0502040204020203" pitchFamily="34" charset="0"/>
               </a:rPr>
-              <a:t>The project summary not only help in monitoring project progress and task status but also provides valuable insights into individual employees' contributions and the level of involvement of team leaders within the project."</a:t>
-            </a:r>
-            <a:endParaRPr lang="en-US" sz="1800" dirty="0">
+              <a:t>The project summary not only help in monitoring project progress and task status but also provides valuable insights into individual employees' contributions and the level of involvement of team leaders within the project.</a:t>
+            </a:r>
+            <a:endParaRPr lang="en-US" sz="2200" dirty="0">
               <a:latin typeface="Segoe UI" panose="020B0502040204020203" pitchFamily="34" charset="0"/>
               <a:cs typeface="Segoe UI" panose="020B0502040204020203" pitchFamily="34" charset="0"/>
             </a:endParaRPr>
@@ -10841,8 +10888,8 @@
         </p:blipFill>
         <p:spPr>
           <a:xfrm>
-            <a:off x="523875" y="1661615"/>
-            <a:ext cx="11191875" cy="5072560"/>
+            <a:off x="523875" y="2052535"/>
+            <a:ext cx="11191875" cy="4681639"/>
           </a:xfrm>
           <a:ln>
             <a:solidFill>
@@ -10899,7 +10946,7 @@
         </p:nvSpPr>
         <p:spPr>
           <a:xfrm>
-            <a:off x="838199" y="365125"/>
+            <a:off x="613655" y="423491"/>
             <a:ext cx="11068051" cy="1778000"/>
           </a:xfrm>
         </p:spPr>
@@ -10910,7 +10957,7 @@
           <a:lstStyle/>
           <a:p>
             <a:r>
-              <a:rPr lang="en-US" sz="3100" b="1" u="sng" dirty="0">
+              <a:rPr lang="en-US" sz="3100" b="1" dirty="0">
                 <a:latin typeface="+mn-lt"/>
               </a:rPr>
               <a:t>Admin Dashboard</a:t>
@@ -10924,39 +10971,20 @@
               <a:rPr lang="en-US" sz="1100" dirty="0"/>
             </a:br>
             <a:r>
-              <a:rPr lang="en-US" sz="2000" b="0" i="0" dirty="0">
-                <a:solidFill>
-                  <a:srgbClr val="374151"/>
-                </a:solidFill>
+              <a:rPr lang="en-US" sz="2200" b="0" i="0" dirty="0">
                 <a:effectLst/>
                 <a:latin typeface="+mn-lt"/>
               </a:rPr>
-              <a:t>"</a:t>
+              <a:t>Within the Admin Dashboard, Admin can access a comprehensive overview of  organization's structure and project landscape. Here, Admin have the ability to view the number of users with Admin, Team Leader, and Employee roles. </a:t>
+            </a:r>
+            <a:r>
+              <a:rPr lang="en-US" sz="2200" dirty="0">
+                <a:latin typeface="+mn-lt"/>
+              </a:rPr>
+              <a:t>Admin</a:t>
             </a:r>
             <a:r>
               <a:rPr lang="en-US" sz="2200" b="0" i="0" dirty="0">
-                <a:solidFill>
-                  <a:srgbClr val="374151"/>
-                </a:solidFill>
-                <a:effectLst/>
-                <a:latin typeface="+mn-lt"/>
-              </a:rPr>
-              <a:t>Within the Admin Dashboard, Admin can access a comprehensive overview of  organization's structure and project landscape. Here, Admin have the ability to view the number of users with Admin, Team Leader, and Employee roles. </a:t>
-            </a:r>
-            <a:r>
-              <a:rPr lang="en-US" sz="2200" dirty="0">
-                <a:solidFill>
-                  <a:srgbClr val="374151"/>
-                </a:solidFill>
-                <a:latin typeface="+mn-lt"/>
-              </a:rPr>
-              <a:t>Admin</a:t>
-            </a:r>
-            <a:r>
-              <a:rPr lang="en-US" sz="2200" b="0" i="0" dirty="0">
-                <a:solidFill>
-                  <a:srgbClr val="374151"/>
-                </a:solidFill>
                 <a:effectLst/>
                 <a:latin typeface="+mn-lt"/>
               </a:rPr>
@@ -10992,7 +11020,7 @@
         </p:blipFill>
         <p:spPr>
           <a:xfrm>
-            <a:off x="1027287" y="2339975"/>
+            <a:off x="706275" y="2480841"/>
             <a:ext cx="10240788" cy="4351338"/>
           </a:xfrm>
           <a:ln>
@@ -11050,13 +11078,11 @@
         </p:nvSpPr>
         <p:spPr>
           <a:xfrm>
-            <a:off x="228975" y="236540"/>
-            <a:ext cx="10035491" cy="1320800"/>
+            <a:off x="608354" y="302071"/>
+            <a:ext cx="11687408" cy="1320800"/>
           </a:xfrm>
           <a:ln>
-            <a:solidFill>
-              <a:srgbClr val="C00000"/>
-            </a:solidFill>
+            <a:noFill/>
           </a:ln>
         </p:spPr>
         <p:txBody>
@@ -11127,6 +11153,11 @@
             <a:off x="3141223" y="1871233"/>
             <a:ext cx="7677152" cy="3858652"/>
           </a:xfrm>
+          <a:ln>
+            <a:solidFill>
+              <a:srgbClr val="C00000"/>
+            </a:solidFill>
+          </a:ln>
         </p:spPr>
       </p:pic>
       <p:pic>
@@ -11151,12 +11182,17 @@
         </p:blipFill>
         <p:spPr>
           <a:xfrm>
-            <a:off x="248864" y="1871233"/>
-            <a:ext cx="2728196" cy="1714649"/>
+            <a:off x="608354" y="1871233"/>
+            <a:ext cx="2368706" cy="1714649"/>
           </a:xfrm>
           <a:prstGeom prst="rect">
             <a:avLst/>
           </a:prstGeom>
+          <a:ln>
+            <a:solidFill>
+              <a:srgbClr val="C00000"/>
+            </a:solidFill>
+          </a:ln>
         </p:spPr>
       </p:pic>
       <p:cxnSp>
@@ -11307,8 +11343,8 @@
         </p:nvSpPr>
         <p:spPr>
           <a:xfrm>
-            <a:off x="248864" y="3663114"/>
-            <a:ext cx="2728196" cy="2958346"/>
+            <a:off x="608354" y="3663114"/>
+            <a:ext cx="2368706" cy="2958346"/>
           </a:xfrm>
           <a:prstGeom prst="rect">
             <a:avLst/>
@@ -11567,30 +11603,36 @@
         </p:nvSpPr>
         <p:spPr>
           <a:xfrm>
-            <a:off x="649516" y="301658"/>
-            <a:ext cx="11020868" cy="2234152"/>
+            <a:off x="580311" y="734391"/>
+            <a:ext cx="11336071" cy="970962"/>
           </a:xfrm>
         </p:spPr>
         <p:txBody>
           <a:bodyPr>
-            <a:normAutofit/>
+            <a:normAutofit fontScale="90000"/>
           </a:bodyPr>
           <a:lstStyle/>
           <a:p>
             <a:r>
-              <a:rPr lang="en-US" sz="2800" b="1" i="0" dirty="0">
+              <a:rPr lang="en-US" sz="3100" b="1" i="0" dirty="0">
                 <a:effectLst/>
-                <a:latin typeface="+mn-lt"/>
+                <a:latin typeface="Calibri (Body)"/>
               </a:rPr>
               <a:t>Project</a:t>
             </a:r>
             <a:r>
+              <a:rPr lang="en-US" sz="3100" b="0" i="0" dirty="0">
+                <a:effectLst/>
+                <a:latin typeface="Calibri (Body)"/>
+              </a:rPr>
+              <a:t> </a:t>
+            </a:r>
+            <a:br>
               <a:rPr lang="en-US" b="0" i="0" dirty="0">
                 <a:effectLst/>
                 <a:latin typeface="Söhne"/>
               </a:rPr>
-              <a:t> </a:t>
-            </a:r>
+            </a:br>
             <a:br>
               <a:rPr lang="en-US" b="0" i="0" dirty="0">
                 <a:solidFill>
@@ -11601,7 +11643,7 @@
               </a:rPr>
             </a:br>
             <a:r>
-              <a:rPr lang="en-US" sz="2000" b="0" i="0" dirty="0">
+              <a:rPr lang="en-US" sz="2200" b="0" i="0" dirty="0">
                 <a:solidFill>
                   <a:srgbClr val="374151"/>
                 </a:solidFill>
@@ -12200,13 +12242,22 @@
             <p:ph type="title"/>
           </p:nvPr>
         </p:nvSpPr>
-        <p:spPr/>
-        <p:txBody>
-          <a:bodyPr/>
+        <p:spPr>
+          <a:xfrm>
+            <a:off x="760379" y="306759"/>
+            <a:ext cx="10515600" cy="1006476"/>
+          </a:xfrm>
+        </p:spPr>
+        <p:txBody>
+          <a:bodyPr>
+            <a:normAutofit/>
+          </a:bodyPr>
           <a:lstStyle/>
           <a:p>
             <a:r>
-              <a:rPr lang="en-US" b="1" u="sng" dirty="0"/>
+              <a:rPr lang="en-US" sz="2800" b="1" dirty="0">
+                <a:latin typeface="Calibri (Body)"/>
+              </a:rPr>
               <a:t>Project Summary</a:t>
             </a:r>
           </a:p>
@@ -12294,8 +12345,8 @@
         </p:nvSpPr>
         <p:spPr>
           <a:xfrm>
-            <a:off x="677333" y="609600"/>
-            <a:ext cx="9584375" cy="884025"/>
+            <a:off x="570329" y="496111"/>
+            <a:ext cx="9584375" cy="771703"/>
           </a:xfrm>
         </p:spPr>
         <p:txBody>
@@ -12375,8 +12426,8 @@
         </p:blipFill>
         <p:spPr>
           <a:xfrm>
-            <a:off x="191678" y="2773752"/>
-            <a:ext cx="10515600" cy="2438587"/>
+            <a:off x="801411" y="2836991"/>
+            <a:ext cx="9749856" cy="2438587"/>
           </a:xfrm>
           <a:ln>
             <a:solidFill>
@@ -12399,8 +12450,8 @@
         </p:nvSpPr>
         <p:spPr>
           <a:xfrm>
-            <a:off x="9656983" y="3692518"/>
-            <a:ext cx="377072" cy="996750"/>
+            <a:off x="9533107" y="3692518"/>
+            <a:ext cx="393246" cy="996750"/>
           </a:xfrm>
           <a:prstGeom prst="rect">
             <a:avLst/>
@@ -12451,7 +12502,7 @@
         </p:nvSpPr>
         <p:spPr>
           <a:xfrm>
-            <a:off x="10073173" y="3711754"/>
+            <a:off x="9921670" y="3692518"/>
             <a:ext cx="377072" cy="996750"/>
           </a:xfrm>
           <a:prstGeom prst="rect">
@@ -12680,7 +12731,7 @@
           </a:xfrm>
           <a:prstGeom prst="bentConnector3">
             <a:avLst>
-              <a:gd name="adj1" fmla="val 3665"/>
+              <a:gd name="adj1" fmla="val -33693"/>
             </a:avLst>
           </a:prstGeom>
           <a:ln>
@@ -12750,8 +12801,8 @@
         </p:nvSpPr>
         <p:spPr>
           <a:xfrm>
-            <a:off x="366250" y="215326"/>
-            <a:ext cx="11096744" cy="2041356"/>
+            <a:off x="501358" y="344978"/>
+            <a:ext cx="11326010" cy="2041356"/>
           </a:xfrm>
         </p:spPr>
         <p:txBody>
@@ -12826,7 +12877,7 @@
         </p:blipFill>
         <p:spPr>
           <a:xfrm>
-            <a:off x="190073" y="2761237"/>
+            <a:off x="511086" y="2583017"/>
             <a:ext cx="5122306" cy="3881437"/>
           </a:xfrm>
           <a:ln>
@@ -12885,7 +12936,7 @@
         </p:nvSpPr>
         <p:spPr>
           <a:xfrm>
-            <a:off x="4604993" y="5540344"/>
+            <a:off x="4887095" y="5433339"/>
             <a:ext cx="664965" cy="605933"/>
           </a:xfrm>
           <a:prstGeom prst="rect">
@@ -12941,8 +12992,8 @@
         </p:nvCxnSpPr>
         <p:spPr>
           <a:xfrm flipV="1">
-            <a:off x="5269958" y="4557341"/>
-            <a:ext cx="1014263" cy="1285970"/>
+            <a:off x="5552060" y="4557341"/>
+            <a:ext cx="732161" cy="1178965"/>
           </a:xfrm>
           <a:prstGeom prst="bentConnector3">
             <a:avLst>
@@ -13016,18 +13067,18 @@
         </p:nvSpPr>
         <p:spPr>
           <a:xfrm>
-            <a:off x="183800" y="104775"/>
-            <a:ext cx="11932000" cy="1419226"/>
+            <a:off x="642026" y="390422"/>
+            <a:ext cx="11261399" cy="1662114"/>
           </a:xfrm>
         </p:spPr>
         <p:txBody>
           <a:bodyPr>
-            <a:normAutofit/>
+            <a:normAutofit fontScale="90000"/>
           </a:bodyPr>
           <a:lstStyle/>
           <a:p>
             <a:r>
-              <a:rPr lang="en-US" sz="2800" b="1" u="sng" dirty="0">
+              <a:rPr lang="en-US" sz="3100" b="1" dirty="0">
                 <a:latin typeface="+mn-lt"/>
               </a:rPr>
               <a:t>TL-Project Progress</a:t>
@@ -13038,7 +13089,7 @@
               </a:rPr>
             </a:br>
             <a:r>
-              <a:rPr lang="en-US" sz="2000" b="0" i="0" dirty="0">
+              <a:rPr lang="en-US" sz="2200" b="0" i="0" dirty="0">
                 <a:solidFill>
                   <a:srgbClr val="343541"/>
                 </a:solidFill>
@@ -13048,7 +13099,7 @@
               </a:rPr>
               <a:t>Team Leaders can monitor and update project status on the 6 steps of the SDLC model, based on the employee task status . They can mark projects as complete and include comments or notes to ensure alignment with the chosen SDLC model. This empowers Team Leaders to efficiently track and manage project progress.</a:t>
             </a:r>
-            <a:endParaRPr lang="en-US" sz="2000" dirty="0">
+            <a:endParaRPr lang="en-US" sz="2200" dirty="0">
               <a:latin typeface="+mn-lt"/>
               <a:cs typeface="Segoe UI" panose="020B0502040204020203" pitchFamily="34" charset="0"/>
             </a:endParaRPr>
@@ -13077,8 +13128,8 @@
         </p:blipFill>
         <p:spPr>
           <a:xfrm>
-            <a:off x="76200" y="1524001"/>
-            <a:ext cx="6512275" cy="5134441"/>
+            <a:off x="642026" y="2052536"/>
+            <a:ext cx="5946449" cy="4605906"/>
           </a:xfrm>
           <a:prstGeom prst="rect">
             <a:avLst/>
@@ -13112,8 +13163,8 @@
         </p:blipFill>
         <p:spPr>
           <a:xfrm>
-            <a:off x="7148068" y="1645445"/>
-            <a:ext cx="4755357" cy="4891553"/>
+            <a:off x="7148068" y="2052536"/>
+            <a:ext cx="4755357" cy="4484462"/>
           </a:xfrm>
           <a:prstGeom prst="rect">
             <a:avLst/>
@@ -13225,14 +13276,14 @@
           <a:lstStyle/>
           <a:p>
             <a:r>
-              <a:rPr lang="en-US" sz="3100" b="1" u="sng" dirty="0">
+              <a:rPr lang="en-US" sz="3100" b="1" dirty="0">
                 <a:latin typeface="+mn-lt"/>
                 <a:cs typeface="Segoe UI" panose="020B0502040204020203" pitchFamily="34" charset="0"/>
               </a:rPr>
               <a:t>Firebase</a:t>
             </a:r>
             <a:r>
-              <a:rPr lang="en-US" sz="2800" b="1" u="sng" dirty="0">
+              <a:rPr lang="en-US" sz="2800" b="1" dirty="0">
                 <a:latin typeface="+mn-lt"/>
                 <a:cs typeface="Segoe UI" panose="020B0502040204020203" pitchFamily="34" charset="0"/>
               </a:rPr>
@@ -13275,7 +13326,7 @@
         </p:spPr>
         <p:txBody>
           <a:bodyPr>
-            <a:normAutofit fontScale="62500" lnSpcReduction="20000"/>
+            <a:normAutofit fontScale="70000" lnSpcReduction="20000"/>
           </a:bodyPr>
           <a:lstStyle/>
           <a:p>
@@ -13316,26 +13367,14 @@
               <a:rPr lang="en-US" sz="3200" dirty="0">
                 <a:cs typeface="Segoe UI" panose="020B0502040204020203" pitchFamily="34" charset="0"/>
               </a:rPr>
-              <a:t>This </a:t>
-            </a:r>
-            <a:r>
-              <a:rPr lang="en-US" sz="4500" dirty="0">
-                <a:cs typeface="Segoe UI" panose="020B0502040204020203" pitchFamily="34" charset="0"/>
-              </a:rPr>
-              <a:t>collection</a:t>
-            </a:r>
-            <a:r>
-              <a:rPr lang="en-US" sz="3200" dirty="0">
-                <a:cs typeface="Segoe UI" panose="020B0502040204020203" pitchFamily="34" charset="0"/>
-              </a:rPr>
-              <a:t> will store the profiles and personal information of project all staff  members.</a:t>
+              <a:t>This collection will store the profiles and personal information of project all staff  members.</a:t>
             </a:r>
           </a:p>
           <a:p>
             <a:pPr marL="0" indent="0">
               <a:buNone/>
             </a:pPr>
-            <a:endParaRPr lang="en-US" sz="4200" dirty="0">
+            <a:endParaRPr lang="en-US" sz="3200" dirty="0">
               <a:cs typeface="Segoe UI" panose="020B0502040204020203" pitchFamily="34" charset="0"/>
             </a:endParaRPr>
           </a:p>
@@ -13368,16 +13407,7 @@
                 </a:solidFill>
                 <a:cs typeface="Segoe UI" panose="020B0502040204020203" pitchFamily="34" charset="0"/>
               </a:rPr>
-              <a:t>:</a:t>
-            </a:r>
-            <a:r>
-              <a:rPr lang="en-US" sz="4200" b="1" dirty="0">
-                <a:solidFill>
-                  <a:schemeClr val="accent1"/>
-                </a:solidFill>
-                <a:cs typeface="Segoe UI" panose="020B0502040204020203" pitchFamily="34" charset="0"/>
-              </a:rPr>
-              <a:t> </a:t>
+              <a:t>: </a:t>
             </a:r>
             <a:r>
               <a:rPr lang="en-US" sz="3200" dirty="0">
@@ -13390,7 +13420,7 @@
             <a:pPr marL="0" indent="0">
               <a:buNone/>
             </a:pPr>
-            <a:endParaRPr lang="en-US" sz="4200" dirty="0">
+            <a:endParaRPr lang="en-US" sz="3200" dirty="0">
               <a:cs typeface="Segoe UI" panose="020B0502040204020203" pitchFamily="34" charset="0"/>
             </a:endParaRPr>
           </a:p>
@@ -13408,32 +13438,20 @@
                 </a:solidFill>
                 <a:cs typeface="Segoe UI" panose="020B0502040204020203" pitchFamily="34" charset="0"/>
               </a:rPr>
-              <a:t>3.EmployeeProjectTasks:</a:t>
-            </a:r>
-            <a:r>
-              <a:rPr lang="en-US" sz="4200" b="1" dirty="0">
-                <a:solidFill>
-                  <a:schemeClr val="accent1"/>
-                </a:solidFill>
-                <a:cs typeface="Segoe UI" panose="020B0502040204020203" pitchFamily="34" charset="0"/>
-              </a:rPr>
-              <a:t> </a:t>
+              <a:t>3.EmployeeProjectTasks: </a:t>
             </a:r>
             <a:r>
               <a:rPr lang="en-US" sz="3200" dirty="0">
                 <a:cs typeface="Segoe UI" panose="020B0502040204020203" pitchFamily="34" charset="0"/>
               </a:rPr>
-              <a:t>This collection will contain data related to the specific tasks assigned to each employee within their respective   	projects.</a:t>
-            </a:r>
-            <a:endParaRPr lang="en-US" sz="4200" dirty="0">
-              <a:cs typeface="Segoe UI" panose="020B0502040204020203" pitchFamily="34" charset="0"/>
-            </a:endParaRPr>
+              <a:t>This collection will contain data related to the specific tasks assigned to each employee within their respective  projects.</a:t>
+            </a:r>
           </a:p>
           <a:p>
             <a:pPr marL="0" indent="0">
               <a:buNone/>
             </a:pPr>
-            <a:endParaRPr lang="en-US" sz="4200" b="1" dirty="0">
+            <a:endParaRPr lang="en-US" sz="3200" b="1" dirty="0">
               <a:cs typeface="Segoe UI" panose="020B0502040204020203" pitchFamily="34" charset="0"/>
             </a:endParaRPr>
           </a:p>
@@ -13469,16 +13487,7 @@
                 </a:solidFill>
                 <a:cs typeface="Segoe UI" panose="020B0502040204020203" pitchFamily="34" charset="0"/>
               </a:rPr>
-              <a:t>:</a:t>
-            </a:r>
-            <a:r>
-              <a:rPr lang="en-US" sz="4200" b="1" dirty="0">
-                <a:solidFill>
-                  <a:schemeClr val="accent1"/>
-                </a:solidFill>
-                <a:cs typeface="Segoe UI" panose="020B0502040204020203" pitchFamily="34" charset="0"/>
-              </a:rPr>
-              <a:t> </a:t>
+              <a:t>: </a:t>
             </a:r>
             <a:r>
               <a:rPr lang="en-US" sz="3200" dirty="0">
@@ -13486,15 +13495,12 @@
               </a:rPr>
               <a:t>It will record the progress and status updates of each project, providing a clear overview of project advancement.</a:t>
             </a:r>
-            <a:endParaRPr lang="en-US" sz="4200" dirty="0">
-              <a:cs typeface="Segoe UI" panose="020B0502040204020203" pitchFamily="34" charset="0"/>
-            </a:endParaRPr>
           </a:p>
           <a:p>
             <a:pPr marL="0" indent="0">
               <a:buNone/>
             </a:pPr>
-            <a:endParaRPr lang="en-US" sz="4200" b="1" dirty="0">
+            <a:endParaRPr lang="en-US" sz="3200" b="1" dirty="0">
               <a:cs typeface="Segoe UI" panose="020B0502040204020203" pitchFamily="34" charset="0"/>
             </a:endParaRPr>
           </a:p>
@@ -13538,9 +13544,6 @@
               </a:rPr>
               <a:t>This collection will serve as a repository for messages and communication details 	between project staff members.</a:t>
             </a:r>
-            <a:endParaRPr lang="en-US" sz="4200" dirty="0">
-              <a:cs typeface="Segoe UI" panose="020B0502040204020203" pitchFamily="34" charset="0"/>
-            </a:endParaRPr>
           </a:p>
           <a:p>
             <a:pPr marL="0" indent="0">
@@ -13605,8 +13608,8 @@
         </p:blipFill>
         <p:spPr>
           <a:xfrm>
-            <a:off x="371475" y="1512306"/>
-            <a:ext cx="11572875" cy="5171070"/>
+            <a:off x="787940" y="2266545"/>
+            <a:ext cx="10583694" cy="4416830"/>
           </a:xfrm>
           <a:prstGeom prst="rect">
             <a:avLst/>
@@ -13636,26 +13639,59 @@
         </p:nvSpPr>
         <p:spPr>
           <a:xfrm>
-            <a:off x="200025" y="174624"/>
-            <a:ext cx="10515600" cy="1325563"/>
+            <a:off x="787940" y="174623"/>
+            <a:ext cx="10690698" cy="2091921"/>
           </a:xfrm>
         </p:spPr>
         <p:txBody>
           <a:bodyPr>
-            <a:normAutofit/>
+            <a:normAutofit fontScale="90000"/>
           </a:bodyPr>
           <a:lstStyle/>
           <a:p>
             <a:r>
-              <a:rPr lang="en-US" sz="2000" b="0" i="0" dirty="0">
+              <a:rPr lang="en-US" sz="2200" b="0" i="0" dirty="0">
                 <a:solidFill>
                   <a:srgbClr val="374151"/>
                 </a:solidFill>
                 <a:effectLst/>
                 <a:latin typeface="+mn-lt"/>
               </a:rPr>
-              <a:t>"In this manner, every project is systematically tracked, taking into account the contributions of each employee and team member. Admins, Team Leaders, and employees collectively maintain project progress and status, fostering transparency and effective project management."</a:t>
-            </a:r>
+              <a:t>In this manner, every project is systematically tracked, taking into account the contributions of each employee and team member. </a:t>
+            </a:r>
+            <a:r>
+              <a:rPr lang="en-US" sz="2200" b="0" i="0" dirty="0">
+                <a:solidFill>
+                  <a:srgbClr val="374151"/>
+                </a:solidFill>
+                <a:effectLst/>
+                <a:latin typeface="Söhne"/>
+              </a:rPr>
+              <a:t>The </a:t>
+            </a:r>
+            <a:r>
+              <a:rPr lang="en-US" sz="2200" b="0" i="0" dirty="0" err="1">
+                <a:solidFill>
+                  <a:srgbClr val="374151"/>
+                </a:solidFill>
+                <a:effectLst/>
+                <a:latin typeface="Söhne"/>
+              </a:rPr>
+              <a:t>StaffSphere</a:t>
+            </a:r>
+            <a:r>
+              <a:rPr lang="en-US" sz="2200" b="0" i="0" dirty="0">
+                <a:solidFill>
+                  <a:srgbClr val="374151"/>
+                </a:solidFill>
+                <a:effectLst/>
+                <a:latin typeface="Söhne"/>
+              </a:rPr>
+              <a:t> project stands as a cornerstone for seamless integration of all users and fostering effective project collaboration. It not only empowers employees by simplifying task management and facilitating smooth communication but also serves as a powerful tool for monitoring project progress and task status. Furthermore, it provides invaluable insights into individual employees' contributions and underscores the pivotal role of team leaders within each project, enhancing overall productivity and success."</a:t>
+            </a:r>
+            <a:br>
+              <a:rPr lang="en-US" sz="2000" dirty="0"/>
+            </a:br>
             <a:endParaRPr lang="en-US" sz="2000" dirty="0">
               <a:latin typeface="+mn-lt"/>
             </a:endParaRPr>
@@ -13697,149 +13733,6 @@
           <p:cNvPr id="2" name="Title 1">
             <a:extLst>
               <a:ext uri="{FF2B5EF4-FFF2-40B4-BE49-F238E27FC236}">
-                <a16:creationId xmlns:a16="http://schemas.microsoft.com/office/drawing/2014/main" id="{D5A7052C-5632-A5A4-EDA5-98EA1487739B}"/>
-              </a:ext>
-            </a:extLst>
-          </p:cNvPr>
-          <p:cNvSpPr>
-            <a:spLocks noGrp="1"/>
-          </p:cNvSpPr>
-          <p:nvPr>
-            <p:ph type="title"/>
-          </p:nvPr>
-        </p:nvSpPr>
-        <p:spPr/>
-        <p:txBody>
-          <a:bodyPr>
-            <a:normAutofit/>
-          </a:bodyPr>
-          <a:lstStyle/>
-          <a:p>
-            <a:r>
-              <a:rPr lang="en-US" sz="2800" b="1" u="sng" dirty="0">
-                <a:solidFill>
-                  <a:srgbClr val="374151"/>
-                </a:solidFill>
-                <a:latin typeface="+mn-lt"/>
-              </a:rPr>
-              <a:t>C</a:t>
-            </a:r>
-            <a:r>
-              <a:rPr lang="en-US" sz="2800" b="1" i="0" u="sng" dirty="0">
-                <a:solidFill>
-                  <a:srgbClr val="374151"/>
-                </a:solidFill>
-                <a:effectLst/>
-                <a:latin typeface="+mn-lt"/>
-              </a:rPr>
-              <a:t>onclusion:</a:t>
-            </a:r>
-            <a:endParaRPr lang="en-US" sz="2800" b="1" u="sng" dirty="0">
-              <a:latin typeface="+mn-lt"/>
-            </a:endParaRPr>
-          </a:p>
-        </p:txBody>
-      </p:sp>
-      <p:sp>
-        <p:nvSpPr>
-          <p:cNvPr id="3" name="Content Placeholder 2">
-            <a:extLst>
-              <a:ext uri="{FF2B5EF4-FFF2-40B4-BE49-F238E27FC236}">
-                <a16:creationId xmlns:a16="http://schemas.microsoft.com/office/drawing/2014/main" id="{28FDC91D-A2F9-73EA-AC0B-9B28B2E212B7}"/>
-              </a:ext>
-            </a:extLst>
-          </p:cNvPr>
-          <p:cNvSpPr>
-            <a:spLocks noGrp="1"/>
-          </p:cNvSpPr>
-          <p:nvPr>
-            <p:ph idx="1"/>
-          </p:nvPr>
-        </p:nvSpPr>
-        <p:spPr>
-          <a:xfrm>
-            <a:off x="838200" y="1825625"/>
-            <a:ext cx="10515600" cy="2212975"/>
-          </a:xfrm>
-        </p:spPr>
-        <p:txBody>
-          <a:bodyPr>
-            <a:normAutofit/>
-          </a:bodyPr>
-          <a:lstStyle/>
-          <a:p>
-            <a:pPr marL="0" indent="0">
-              <a:buNone/>
-            </a:pPr>
-            <a:r>
-              <a:rPr lang="en-US" sz="2000" b="0" i="0" dirty="0">
-                <a:solidFill>
-                  <a:srgbClr val="374151"/>
-                </a:solidFill>
-                <a:effectLst/>
-                <a:latin typeface="Söhne"/>
-              </a:rPr>
-              <a:t>The </a:t>
-            </a:r>
-            <a:r>
-              <a:rPr lang="en-US" sz="2000" b="0" i="0" dirty="0" err="1">
-                <a:solidFill>
-                  <a:srgbClr val="374151"/>
-                </a:solidFill>
-                <a:effectLst/>
-                <a:latin typeface="Söhne"/>
-              </a:rPr>
-              <a:t>StaffSphere</a:t>
-            </a:r>
-            <a:r>
-              <a:rPr lang="en-US" sz="2000" b="0" i="0" dirty="0">
-                <a:solidFill>
-                  <a:srgbClr val="374151"/>
-                </a:solidFill>
-                <a:effectLst/>
-                <a:latin typeface="Söhne"/>
-              </a:rPr>
-              <a:t> project stands as a cornerstone for seamless integration of all users and fostering effective project collaboration. It not only empowers employees by simplifying task management and facilitating smooth communication but also serves as a powerful tool for monitoring project progress and task status. Furthermore, it provides invaluable insights into individual employees' contributions and underscores the pivotal role of team leaders within each project, enhancing overall productivity and success."</a:t>
-            </a:r>
-            <a:endParaRPr lang="en-US" sz="2000" dirty="0"/>
-          </a:p>
-        </p:txBody>
-      </p:sp>
-    </p:spTree>
-    <p:extLst>
-      <p:ext uri="{BB962C8B-B14F-4D97-AF65-F5344CB8AC3E}">
-        <p14:creationId xmlns:p14="http://schemas.microsoft.com/office/powerpoint/2010/main" val="2549585263"/>
-      </p:ext>
-    </p:extLst>
-  </p:cSld>
-  <p:clrMapOvr>
-    <a:masterClrMapping/>
-  </p:clrMapOvr>
-</p:sld>
-</file>
-
-<file path=ppt/slides/slide42.xml><?xml version="1.0" encoding="utf-8"?>
-<p:sld xmlns:a="http://schemas.openxmlformats.org/drawingml/2006/main" xmlns:r="http://schemas.openxmlformats.org/officeDocument/2006/relationships" xmlns:p="http://schemas.openxmlformats.org/presentationml/2006/main">
-  <p:cSld>
-    <p:spTree>
-      <p:nvGrpSpPr>
-        <p:cNvPr id="1" name=""/>
-        <p:cNvGrpSpPr/>
-        <p:nvPr/>
-      </p:nvGrpSpPr>
-      <p:grpSpPr>
-        <a:xfrm>
-          <a:off x="0" y="0"/>
-          <a:ext cx="0" cy="0"/>
-          <a:chOff x="0" y="0"/>
-          <a:chExt cx="0" cy="0"/>
-        </a:xfrm>
-      </p:grpSpPr>
-      <p:sp>
-        <p:nvSpPr>
-          <p:cNvPr id="2" name="Title 1">
-            <a:extLst>
-              <a:ext uri="{FF2B5EF4-FFF2-40B4-BE49-F238E27FC236}">
                 <a16:creationId xmlns:a16="http://schemas.microsoft.com/office/drawing/2014/main" id="{774CAB95-4984-769A-081B-C3CE04EFF4FC}"/>
               </a:ext>
             </a:extLst>
@@ -13916,7 +13809,7 @@
         </p:nvSpPr>
         <p:spPr>
           <a:xfrm>
-            <a:off x="677334" y="609600"/>
+            <a:off x="502236" y="453957"/>
             <a:ext cx="8596668" cy="1138518"/>
           </a:xfrm>
         </p:spPr>
@@ -13927,7 +13820,7 @@
           <a:lstStyle/>
           <a:p>
             <a:r>
-              <a:rPr lang="en-US" sz="3100" b="1" i="0" u="sng" dirty="0">
+              <a:rPr lang="en-US" sz="3100" b="1" i="0" dirty="0">
                 <a:effectLst/>
                 <a:latin typeface="+mn-lt"/>
               </a:rPr>
@@ -13992,7 +13885,7 @@
         </p:nvSpPr>
         <p:spPr>
           <a:xfrm>
-            <a:off x="686859" y="2277118"/>
+            <a:off x="609038" y="1868556"/>
             <a:ext cx="11190816" cy="4288850"/>
           </a:xfrm>
         </p:spPr>
@@ -14263,7 +14156,7 @@
         </p:nvSpPr>
         <p:spPr>
           <a:xfrm>
-            <a:off x="410790" y="1265021"/>
+            <a:off x="410790" y="1284476"/>
             <a:ext cx="11828835" cy="3170099"/>
           </a:xfrm>
           <a:prstGeom prst="rect">
@@ -14366,7 +14259,7 @@
         </p:nvSpPr>
         <p:spPr>
           <a:xfrm>
-            <a:off x="410790" y="357854"/>
+            <a:off x="410790" y="435675"/>
             <a:ext cx="6099242" cy="523220"/>
           </a:xfrm>
           <a:prstGeom prst="rect">
@@ -14381,7 +14274,7 @@
           <a:lstStyle/>
           <a:p>
             <a:r>
-              <a:rPr lang="en-US" sz="2800" b="1" u="sng" dirty="0">
+              <a:rPr lang="en-US" sz="2800" b="1" dirty="0">
                 <a:cs typeface="Segoe UI" panose="020B0502040204020203" pitchFamily="34" charset="0"/>
               </a:rPr>
               <a:t>User Dashboards</a:t>
@@ -14437,7 +14330,7 @@
         </p:nvSpPr>
         <p:spPr>
           <a:xfrm>
-            <a:off x="677333" y="510864"/>
+            <a:off x="528460" y="345494"/>
             <a:ext cx="2415749" cy="723089"/>
           </a:xfrm>
         </p:spPr>
@@ -14479,7 +14372,7 @@
         </p:blipFill>
         <p:spPr>
           <a:xfrm>
-            <a:off x="677334" y="1233953"/>
+            <a:off x="648151" y="1233950"/>
             <a:ext cx="2415749" cy="5624047"/>
           </a:xfrm>
           <a:prstGeom prst="rect">
@@ -14828,7 +14721,12 @@
             <p:ph type="title"/>
           </p:nvPr>
         </p:nvSpPr>
-        <p:spPr/>
+        <p:spPr>
+          <a:xfrm>
+            <a:off x="575553" y="181381"/>
+            <a:ext cx="10515600" cy="781658"/>
+          </a:xfrm>
+        </p:spPr>
         <p:txBody>
           <a:bodyPr>
             <a:normAutofit/>
@@ -14836,20 +14734,10 @@
           <a:lstStyle/>
           <a:p>
             <a:r>
-              <a:rPr lang="en-US" sz="2800" b="1" u="sng" dirty="0"/>
-              <a:t>Common</a:t>
-            </a:r>
-            <a:r>
-              <a:rPr lang="en-US" sz="3200" b="1" u="sng" dirty="0"/>
-              <a:t> </a:t>
-            </a:r>
-            <a:r>
-              <a:rPr lang="en-US" sz="2800" b="1" u="sng" dirty="0"/>
-              <a:t>features</a:t>
-            </a:r>
-            <a:r>
-              <a:rPr lang="en-US" sz="3200" b="1" u="sng" dirty="0"/>
-              <a:t> for All Dashboard Users</a:t>
+              <a:rPr lang="en-US" sz="2800" b="1" dirty="0">
+                <a:latin typeface="+mn-lt"/>
+              </a:rPr>
+              <a:t>Common features for All Dashboard Users</a:t>
             </a:r>
           </a:p>
         </p:txBody>
@@ -14883,42 +14771,42 @@
         </p:spPr>
         <p:txBody>
           <a:bodyPr>
-            <a:normAutofit lnSpcReduction="10000"/>
+            <a:normAutofit/>
           </a:bodyPr>
           <a:lstStyle/>
           <a:p>
             <a:r>
-              <a:rPr lang="en-US" dirty="0"/>
+              <a:rPr lang="en-US" sz="2000" dirty="0"/>
               <a:t>Home</a:t>
             </a:r>
           </a:p>
           <a:p>
             <a:r>
-              <a:rPr lang="en-US" dirty="0"/>
+              <a:rPr lang="en-US" sz="2000" dirty="0"/>
               <a:t>Profile</a:t>
             </a:r>
           </a:p>
           <a:p>
             <a:r>
-              <a:rPr lang="en-US" dirty="0"/>
+              <a:rPr lang="en-US" sz="2000" dirty="0"/>
               <a:t>My Inbox Message</a:t>
             </a:r>
           </a:p>
           <a:p>
             <a:r>
-              <a:rPr lang="en-US" dirty="0"/>
+              <a:rPr lang="en-US" sz="2000" dirty="0"/>
               <a:t>Employee Directory</a:t>
             </a:r>
           </a:p>
           <a:p>
             <a:r>
-              <a:rPr lang="en-US" dirty="0"/>
+              <a:rPr lang="en-US" sz="2000" dirty="0"/>
               <a:t>My Tasks</a:t>
             </a:r>
           </a:p>
           <a:p>
             <a:r>
-              <a:rPr lang="en-US" dirty="0"/>
+              <a:rPr lang="en-US" sz="2000" dirty="0"/>
               <a:t>My Team Members</a:t>
             </a:r>
           </a:p>
@@ -15084,8 +14972,8 @@
         </p:nvSpPr>
         <p:spPr>
           <a:xfrm>
-            <a:off x="272298" y="146050"/>
-            <a:ext cx="11576801" cy="1606550"/>
+            <a:off x="615199" y="219075"/>
+            <a:ext cx="11262273" cy="1606550"/>
           </a:xfrm>
         </p:spPr>
         <p:txBody>
@@ -15095,12 +14983,9 @@
           <a:lstStyle/>
           <a:p>
             <a:r>
-              <a:rPr lang="en-US" sz="2800" b="1" i="0" u="sng" dirty="0">
-                <a:solidFill>
-                  <a:srgbClr val="374151"/>
-                </a:solidFill>
+              <a:rPr lang="en-US" sz="3100" b="1" i="0" dirty="0">
                 <a:effectLst/>
-                <a:latin typeface="Söhne"/>
+                <a:latin typeface="Calibri (Body)"/>
               </a:rPr>
               <a:t>Staff Sphere Homepage</a:t>
             </a:r>
@@ -15123,36 +15008,27 @@
               </a:rPr>
             </a:br>
             <a:r>
-              <a:rPr lang="en-US" sz="2000" b="0" i="0" dirty="0">
-                <a:solidFill>
-                  <a:srgbClr val="374151"/>
-                </a:solidFill>
+              <a:rPr lang="en-US" sz="2200" b="0" i="0" dirty="0">
                 <a:effectLst/>
                 <a:latin typeface="+mn-lt"/>
               </a:rPr>
               <a:t>The </a:t>
             </a:r>
             <a:r>
-              <a:rPr lang="en-US" sz="2000" b="0" i="0" dirty="0" err="1">
-                <a:solidFill>
-                  <a:srgbClr val="374151"/>
-                </a:solidFill>
+              <a:rPr lang="en-US" sz="2200" b="0" i="0" dirty="0" err="1">
                 <a:effectLst/>
                 <a:latin typeface="+mn-lt"/>
               </a:rPr>
               <a:t>StaffSphere</a:t>
             </a:r>
             <a:r>
-              <a:rPr lang="en-US" sz="2000" b="0" i="0" dirty="0">
-                <a:solidFill>
-                  <a:srgbClr val="374151"/>
-                </a:solidFill>
+              <a:rPr lang="en-US" sz="2200" b="0" i="0" dirty="0">
                 <a:effectLst/>
                 <a:latin typeface="+mn-lt"/>
               </a:rPr>
               <a:t> homepage is your gateway to streamlined Employee Management and Project Collaboration. Access essential modules for employee profiles, team formation, project creation, and seamless communication right from the homepage</a:t>
             </a:r>
-            <a:endParaRPr lang="en-US" sz="2000" b="1" u="sng" dirty="0">
+            <a:endParaRPr lang="en-US" sz="2200" b="1" u="sng" dirty="0">
               <a:latin typeface="+mn-lt"/>
             </a:endParaRPr>
           </a:p>
@@ -15182,8 +15058,8 @@
         </p:blipFill>
         <p:spPr>
           <a:xfrm>
-            <a:off x="1404101" y="1825625"/>
-            <a:ext cx="9383798" cy="4351338"/>
+            <a:off x="781530" y="2127183"/>
+            <a:ext cx="10716564" cy="4351338"/>
           </a:xfrm>
         </p:spPr>
       </p:pic>
